--- a/NeuroCurrent Architecture Specs.pptx
+++ b/NeuroCurrent Architecture Specs.pptx
@@ -210,7 +210,7 @@
           <a:p>
             <a:fld id="{0F9B84EA-7D68-4D60-9CB1-D50884785D1C}" type="datetimeFigureOut">
               <a:rPr lang="zh-CN" altLang="en-US" smtClean="0"/>
-              <a:t>2017/5/13</a:t>
+              <a:t>2017/5/15</a:t>
             </a:fld>
             <a:endParaRPr lang="zh-CN" altLang="en-US"/>
           </a:p>
@@ -370,7 +370,7 @@
           <a:p>
             <a:fld id="{D2A48B96-639E-45A3-A0BA-2464DFDB1FAA}" type="datetimeFigureOut">
               <a:rPr lang="zh-CN" altLang="en-US" smtClean="0"/>
-              <a:t>2017/5/13</a:t>
+              <a:t>2017/5/15</a:t>
             </a:fld>
             <a:endParaRPr lang="zh-CN" altLang="en-US"/>
           </a:p>
@@ -761,7 +761,7 @@
           <a:p>
             <a:fld id="{D997B5FA-0921-464F-AAE1-844C04324D75}" type="datetimeFigureOut">
               <a:rPr lang="zh-CN" altLang="en-US" smtClean="0"/>
-              <a:t>2017/5/13</a:t>
+              <a:t>2017/5/15</a:t>
             </a:fld>
             <a:endParaRPr lang="zh-CN" altLang="en-US"/>
           </a:p>
@@ -924,7 +924,7 @@
           <a:p>
             <a:fld id="{D997B5FA-0921-464F-AAE1-844C04324D75}" type="datetimeFigureOut">
               <a:rPr lang="zh-CN" altLang="en-US" smtClean="0"/>
-              <a:t>2017/5/13</a:t>
+              <a:t>2017/5/15</a:t>
             </a:fld>
             <a:endParaRPr lang="zh-CN" altLang="en-US"/>
           </a:p>
@@ -1097,7 +1097,7 @@
           <a:p>
             <a:fld id="{D997B5FA-0921-464F-AAE1-844C04324D75}" type="datetimeFigureOut">
               <a:rPr lang="zh-CN" altLang="en-US" smtClean="0"/>
-              <a:t>2017/5/13</a:t>
+              <a:t>2017/5/15</a:t>
             </a:fld>
             <a:endParaRPr lang="zh-CN" altLang="en-US"/>
           </a:p>
@@ -1260,7 +1260,7 @@
           <a:p>
             <a:fld id="{D997B5FA-0921-464F-AAE1-844C04324D75}" type="datetimeFigureOut">
               <a:rPr lang="zh-CN" altLang="en-US" smtClean="0"/>
-              <a:t>2017/5/13</a:t>
+              <a:t>2017/5/15</a:t>
             </a:fld>
             <a:endParaRPr lang="zh-CN" altLang="en-US"/>
           </a:p>
@@ -1500,7 +1500,7 @@
           <a:p>
             <a:fld id="{D997B5FA-0921-464F-AAE1-844C04324D75}" type="datetimeFigureOut">
               <a:rPr lang="zh-CN" altLang="en-US" smtClean="0"/>
-              <a:t>2017/5/13</a:t>
+              <a:t>2017/5/15</a:t>
             </a:fld>
             <a:endParaRPr lang="zh-CN" altLang="en-US"/>
           </a:p>
@@ -1724,7 +1724,7 @@
           <a:p>
             <a:fld id="{D997B5FA-0921-464F-AAE1-844C04324D75}" type="datetimeFigureOut">
               <a:rPr lang="zh-CN" altLang="en-US" smtClean="0"/>
-              <a:t>2017/5/13</a:t>
+              <a:t>2017/5/15</a:t>
             </a:fld>
             <a:endParaRPr lang="zh-CN" altLang="en-US"/>
           </a:p>
@@ -2083,7 +2083,7 @@
           <a:p>
             <a:fld id="{D997B5FA-0921-464F-AAE1-844C04324D75}" type="datetimeFigureOut">
               <a:rPr lang="zh-CN" altLang="en-US" smtClean="0"/>
-              <a:t>2017/5/13</a:t>
+              <a:t>2017/5/15</a:t>
             </a:fld>
             <a:endParaRPr lang="zh-CN" altLang="en-US"/>
           </a:p>
@@ -2195,7 +2195,7 @@
           <a:p>
             <a:fld id="{D997B5FA-0921-464F-AAE1-844C04324D75}" type="datetimeFigureOut">
               <a:rPr lang="zh-CN" altLang="en-US" smtClean="0"/>
-              <a:t>2017/5/13</a:t>
+              <a:t>2017/5/15</a:t>
             </a:fld>
             <a:endParaRPr lang="zh-CN" altLang="en-US"/>
           </a:p>
@@ -2285,7 +2285,7 @@
           <a:p>
             <a:fld id="{D997B5FA-0921-464F-AAE1-844C04324D75}" type="datetimeFigureOut">
               <a:rPr lang="zh-CN" altLang="en-US" smtClean="0"/>
-              <a:t>2017/5/13</a:t>
+              <a:t>2017/5/15</a:t>
             </a:fld>
             <a:endParaRPr lang="zh-CN" altLang="en-US"/>
           </a:p>
@@ -2555,7 +2555,7 @@
           <a:p>
             <a:fld id="{D997B5FA-0921-464F-AAE1-844C04324D75}" type="datetimeFigureOut">
               <a:rPr lang="zh-CN" altLang="en-US" smtClean="0"/>
-              <a:t>2017/5/13</a:t>
+              <a:t>2017/5/15</a:t>
             </a:fld>
             <a:endParaRPr lang="zh-CN" altLang="en-US"/>
           </a:p>
@@ -2802,7 +2802,7 @@
           <a:p>
             <a:fld id="{D997B5FA-0921-464F-AAE1-844C04324D75}" type="datetimeFigureOut">
               <a:rPr lang="zh-CN" altLang="en-US" smtClean="0"/>
-              <a:t>2017/5/13</a:t>
+              <a:t>2017/5/15</a:t>
             </a:fld>
             <a:endParaRPr lang="zh-CN" altLang="en-US"/>
           </a:p>
@@ -3008,7 +3008,7 @@
           <a:p>
             <a:fld id="{D997B5FA-0921-464F-AAE1-844C04324D75}" type="datetimeFigureOut">
               <a:rPr lang="zh-CN" altLang="en-US" smtClean="0"/>
-              <a:t>2017/5/13</a:t>
+              <a:t>2017/5/15</a:t>
             </a:fld>
             <a:endParaRPr lang="zh-CN" altLang="en-US"/>
           </a:p>
@@ -11584,7 +11584,11 @@
           <a:p>
             <a:r>
               <a:rPr lang="en-US" altLang="zh-CN" dirty="0"/>
-              <a:t>Example 2: Object Spatial Temporal Aware Visual Processing</a:t>
+              <a:t>Example 2: Object </a:t>
+            </a:r>
+            <a:r>
+              <a:rPr lang="en-US" altLang="zh-CN" dirty="0" err="1"/>
+              <a:t>Orientator</a:t>
             </a:r>
             <a:endParaRPr lang="zh-CN" altLang="en-US" dirty="0"/>
           </a:p>
@@ -13959,6 +13963,12 @@
         <p:txBody>
           <a:bodyPr/>
           <a:lstStyle/>
+          <a:p>
+            <a:r>
+              <a:rPr lang="en-US" altLang="zh-CN" dirty="0"/>
+              <a:t>Includes inductive and deductive reasoning</a:t>
+            </a:r>
+          </a:p>
           <a:p>
             <a:r>
               <a:rPr lang="en-US" altLang="zh-CN" dirty="0"/>
